--- a/Presentation -- From Spaghetti to Lasagna.pptx
+++ b/Presentation -- From Spaghetti to Lasagna.pptx
@@ -5,7 +5,7 @@
     <p:sldMasterId id="2147483648" r:id="rId1"/>
   </p:sldMasterIdLst>
   <p:notesMasterIdLst>
-    <p:notesMasterId r:id="rId14"/>
+    <p:notesMasterId r:id="rId15"/>
   </p:notesMasterIdLst>
   <p:sldIdLst>
     <p:sldId id="256" r:id="rId2"/>
@@ -17,9 +17,10 @@
     <p:sldId id="260" r:id="rId8"/>
     <p:sldId id="261" r:id="rId9"/>
     <p:sldId id="263" r:id="rId10"/>
-    <p:sldId id="264" r:id="rId11"/>
-    <p:sldId id="265" r:id="rId12"/>
-    <p:sldId id="267" r:id="rId13"/>
+    <p:sldId id="268" r:id="rId11"/>
+    <p:sldId id="264" r:id="rId12"/>
+    <p:sldId id="265" r:id="rId13"/>
+    <p:sldId id="267" r:id="rId14"/>
   </p:sldIdLst>
   <p:sldSz cx="12192000" cy="6858000"/>
   <p:notesSz cx="6858000" cy="9144000"/>
@@ -1009,6 +1010,177 @@
     <p:extLst>
       <p:ext uri="{BB962C8B-B14F-4D97-AF65-F5344CB8AC3E}">
         <p14:creationId xmlns:p14="http://schemas.microsoft.com/office/powerpoint/2010/main" val="2473307031"/>
+      </p:ext>
+    </p:extLst>
+  </p:cSld>
+  <p:clrMapOvr>
+    <a:masterClrMapping/>
+  </p:clrMapOvr>
+</p:notes>
+</file>
+
+<file path=ppt/notesSlides/notesSlide6.xml><?xml version="1.0" encoding="utf-8"?>
+<p:notes xmlns:a="http://schemas.openxmlformats.org/drawingml/2006/main" xmlns:r="http://schemas.openxmlformats.org/officeDocument/2006/relationships" xmlns:p="http://schemas.openxmlformats.org/presentationml/2006/main">
+  <p:cSld>
+    <p:spTree>
+      <p:nvGrpSpPr>
+        <p:cNvPr id="1" name=""/>
+        <p:cNvGrpSpPr/>
+        <p:nvPr/>
+      </p:nvGrpSpPr>
+      <p:grpSpPr>
+        <a:xfrm>
+          <a:off x="0" y="0"/>
+          <a:ext cx="0" cy="0"/>
+          <a:chOff x="0" y="0"/>
+          <a:chExt cx="0" cy="0"/>
+        </a:xfrm>
+      </p:grpSpPr>
+      <p:sp>
+        <p:nvSpPr>
+          <p:cNvPr id="2" name="Slide Image Placeholder 1"/>
+          <p:cNvSpPr>
+            <a:spLocks noGrp="1" noRot="1" noChangeAspect="1"/>
+          </p:cNvSpPr>
+          <p:nvPr>
+            <p:ph type="sldImg"/>
+          </p:nvPr>
+        </p:nvSpPr>
+        <p:spPr/>
+      </p:sp>
+      <p:sp>
+        <p:nvSpPr>
+          <p:cNvPr id="3" name="Notes Placeholder 2"/>
+          <p:cNvSpPr>
+            <a:spLocks noGrp="1"/>
+          </p:cNvSpPr>
+          <p:nvPr>
+            <p:ph type="body" idx="1"/>
+          </p:nvPr>
+        </p:nvSpPr>
+        <p:spPr/>
+        <p:txBody>
+          <a:bodyPr/>
+          <a:lstStyle/>
+          <a:p>
+            <a:endParaRPr lang="en-US" dirty="0"/>
+          </a:p>
+        </p:txBody>
+      </p:sp>
+      <p:sp>
+        <p:nvSpPr>
+          <p:cNvPr id="4" name="Slide Number Placeholder 3"/>
+          <p:cNvSpPr>
+            <a:spLocks noGrp="1"/>
+          </p:cNvSpPr>
+          <p:nvPr>
+            <p:ph type="sldNum" sz="quarter" idx="5"/>
+          </p:nvPr>
+        </p:nvSpPr>
+        <p:spPr/>
+        <p:txBody>
+          <a:bodyPr/>
+          <a:lstStyle/>
+          <a:p>
+            <a:fld id="{C02CC391-144E-4E83-83D8-98992165574D}" type="slidenum">
+              <a:rPr lang="en-US" smtClean="0"/>
+              <a:t>12</a:t>
+            </a:fld>
+            <a:endParaRPr lang="en-US"/>
+          </a:p>
+        </p:txBody>
+      </p:sp>
+    </p:spTree>
+    <p:extLst>
+      <p:ext uri="{BB962C8B-B14F-4D97-AF65-F5344CB8AC3E}">
+        <p14:creationId xmlns:p14="http://schemas.microsoft.com/office/powerpoint/2010/main" val="2121617517"/>
+      </p:ext>
+    </p:extLst>
+  </p:cSld>
+  <p:clrMapOvr>
+    <a:masterClrMapping/>
+  </p:clrMapOvr>
+</p:notes>
+</file>
+
+<file path=ppt/notesSlides/notesSlide7.xml><?xml version="1.0" encoding="utf-8"?>
+<p:notes xmlns:a="http://schemas.openxmlformats.org/drawingml/2006/main" xmlns:r="http://schemas.openxmlformats.org/officeDocument/2006/relationships" xmlns:p="http://schemas.openxmlformats.org/presentationml/2006/main">
+  <p:cSld>
+    <p:spTree>
+      <p:nvGrpSpPr>
+        <p:cNvPr id="1" name=""/>
+        <p:cNvGrpSpPr/>
+        <p:nvPr/>
+      </p:nvGrpSpPr>
+      <p:grpSpPr>
+        <a:xfrm>
+          <a:off x="0" y="0"/>
+          <a:ext cx="0" cy="0"/>
+          <a:chOff x="0" y="0"/>
+          <a:chExt cx="0" cy="0"/>
+        </a:xfrm>
+      </p:grpSpPr>
+      <p:sp>
+        <p:nvSpPr>
+          <p:cNvPr id="2" name="Slide Image Placeholder 1"/>
+          <p:cNvSpPr>
+            <a:spLocks noGrp="1" noRot="1" noChangeAspect="1"/>
+          </p:cNvSpPr>
+          <p:nvPr>
+            <p:ph type="sldImg"/>
+          </p:nvPr>
+        </p:nvSpPr>
+        <p:spPr/>
+      </p:sp>
+      <p:sp>
+        <p:nvSpPr>
+          <p:cNvPr id="3" name="Notes Placeholder 2"/>
+          <p:cNvSpPr>
+            <a:spLocks noGrp="1"/>
+          </p:cNvSpPr>
+          <p:nvPr>
+            <p:ph type="body" idx="1"/>
+          </p:nvPr>
+        </p:nvSpPr>
+        <p:spPr/>
+        <p:txBody>
+          <a:bodyPr/>
+          <a:lstStyle/>
+          <a:p>
+            <a:r>
+              <a:rPr lang="en-US" dirty="0"/>
+              <a:t>Next: slowly go through paper, fix error, slowly go through R and RStudio.</a:t>
+            </a:r>
+          </a:p>
+        </p:txBody>
+      </p:sp>
+      <p:sp>
+        <p:nvSpPr>
+          <p:cNvPr id="4" name="Slide Number Placeholder 3"/>
+          <p:cNvSpPr>
+            <a:spLocks noGrp="1"/>
+          </p:cNvSpPr>
+          <p:nvPr>
+            <p:ph type="sldNum" sz="quarter" idx="5"/>
+          </p:nvPr>
+        </p:nvSpPr>
+        <p:spPr/>
+        <p:txBody>
+          <a:bodyPr/>
+          <a:lstStyle/>
+          <a:p>
+            <a:fld id="{C02CC391-144E-4E83-83D8-98992165574D}" type="slidenum">
+              <a:rPr lang="en-US" smtClean="0"/>
+              <a:t>13</a:t>
+            </a:fld>
+            <a:endParaRPr lang="en-US"/>
+          </a:p>
+        </p:txBody>
+      </p:sp>
+    </p:spTree>
+    <p:extLst>
+      <p:ext uri="{BB962C8B-B14F-4D97-AF65-F5344CB8AC3E}">
+        <p14:creationId xmlns:p14="http://schemas.microsoft.com/office/powerpoint/2010/main" val="3551874732"/>
       </p:ext>
     </p:extLst>
   </p:cSld>
@@ -4395,6 +4567,477 @@
           <a:chExt cx="0" cy="0"/>
         </a:xfrm>
       </p:grpSpPr>
+      <p:sp>
+        <p:nvSpPr>
+          <p:cNvPr id="2" name="Title 1">
+            <a:extLst>
+              <a:ext uri="{FF2B5EF4-FFF2-40B4-BE49-F238E27FC236}">
+                <a16:creationId xmlns:a16="http://schemas.microsoft.com/office/drawing/2014/main" id="{6F9B866C-184F-D111-32E8-1B5434CC0844}"/>
+              </a:ext>
+            </a:extLst>
+          </p:cNvPr>
+          <p:cNvSpPr>
+            <a:spLocks noGrp="1"/>
+          </p:cNvSpPr>
+          <p:nvPr>
+            <p:ph type="title"/>
+          </p:nvPr>
+        </p:nvSpPr>
+        <p:spPr>
+          <a:xfrm>
+            <a:off x="5711952" y="5302885"/>
+            <a:ext cx="10515600" cy="1325563"/>
+          </a:xfrm>
+        </p:spPr>
+        <p:txBody>
+          <a:bodyPr/>
+          <a:lstStyle/>
+          <a:p>
+            <a:r>
+              <a:rPr lang="en-US" dirty="0"/>
+              <a:t>Familiar? 👍🏼?👎🏼?</a:t>
+            </a:r>
+          </a:p>
+        </p:txBody>
+      </p:sp>
+      <p:pic>
+        <p:nvPicPr>
+          <p:cNvPr id="1026" name="Picture 2" descr="R (programming language) - Wikipedia">
+            <a:extLst>
+              <a:ext uri="{FF2B5EF4-FFF2-40B4-BE49-F238E27FC236}">
+                <a16:creationId xmlns:a16="http://schemas.microsoft.com/office/drawing/2014/main" id="{43323EB6-F889-EA27-8268-89D20E199440}"/>
+              </a:ext>
+            </a:extLst>
+          </p:cNvPr>
+          <p:cNvPicPr>
+            <a:picLocks noChangeAspect="1" noChangeArrowheads="1"/>
+          </p:cNvPicPr>
+          <p:nvPr/>
+        </p:nvPicPr>
+        <p:blipFill>
+          <a:blip r:embed="rId2">
+            <a:extLst>
+              <a:ext uri="{28A0092B-C50C-407E-A947-70E740481C1C}">
+                <a14:useLocalDpi xmlns:a14="http://schemas.microsoft.com/office/drawing/2010/main" val="0"/>
+              </a:ext>
+            </a:extLst>
+          </a:blip>
+          <a:srcRect/>
+          <a:stretch>
+            <a:fillRect/>
+          </a:stretch>
+        </p:blipFill>
+        <p:spPr bwMode="auto">
+          <a:xfrm>
+            <a:off x="645621" y="3106445"/>
+            <a:ext cx="2230291" cy="1728475"/>
+          </a:xfrm>
+          <a:prstGeom prst="rect">
+            <a:avLst/>
+          </a:prstGeom>
+          <a:noFill/>
+          <a:extLst>
+            <a:ext uri="{909E8E84-426E-40DD-AFC4-6F175D3DCCD1}">
+              <a14:hiddenFill xmlns:a14="http://schemas.microsoft.com/office/drawing/2010/main">
+                <a:solidFill>
+                  <a:srgbClr val="FFFFFF"/>
+                </a:solidFill>
+              </a14:hiddenFill>
+            </a:ext>
+          </a:extLst>
+        </p:spPr>
+      </p:pic>
+      <p:pic>
+        <p:nvPicPr>
+          <p:cNvPr id="1028" name="Picture 4" descr="Quarto">
+            <a:extLst>
+              <a:ext uri="{FF2B5EF4-FFF2-40B4-BE49-F238E27FC236}">
+                <a16:creationId xmlns:a16="http://schemas.microsoft.com/office/drawing/2014/main" id="{6AB0C7A7-79C5-EFCA-E42C-1CBDE2E0AC3E}"/>
+              </a:ext>
+            </a:extLst>
+          </p:cNvPr>
+          <p:cNvPicPr>
+            <a:picLocks noChangeAspect="1" noChangeArrowheads="1"/>
+          </p:cNvPicPr>
+          <p:nvPr/>
+        </p:nvPicPr>
+        <p:blipFill>
+          <a:blip r:embed="rId3">
+            <a:extLst>
+              <a:ext uri="{28A0092B-C50C-407E-A947-70E740481C1C}">
+                <a14:useLocalDpi xmlns:a14="http://schemas.microsoft.com/office/drawing/2010/main" val="0"/>
+              </a:ext>
+            </a:extLst>
+          </a:blip>
+          <a:srcRect/>
+          <a:stretch>
+            <a:fillRect/>
+          </a:stretch>
+        </p:blipFill>
+        <p:spPr bwMode="auto">
+          <a:xfrm>
+            <a:off x="4010025" y="3496646"/>
+            <a:ext cx="3801960" cy="914847"/>
+          </a:xfrm>
+          <a:prstGeom prst="rect">
+            <a:avLst/>
+          </a:prstGeom>
+          <a:noFill/>
+          <a:extLst>
+            <a:ext uri="{909E8E84-426E-40DD-AFC4-6F175D3DCCD1}">
+              <a14:hiddenFill xmlns:a14="http://schemas.microsoft.com/office/drawing/2010/main">
+                <a:solidFill>
+                  <a:srgbClr val="FFFFFF"/>
+                </a:solidFill>
+              </a14:hiddenFill>
+            </a:ext>
+          </a:extLst>
+        </p:spPr>
+      </p:pic>
+      <p:pic>
+        <p:nvPicPr>
+          <p:cNvPr id="1030" name="Picture 6" descr="Version Control/Git - Wikiversity">
+            <a:extLst>
+              <a:ext uri="{FF2B5EF4-FFF2-40B4-BE49-F238E27FC236}">
+                <a16:creationId xmlns:a16="http://schemas.microsoft.com/office/drawing/2014/main" id="{DDD6360B-AA1A-7585-EADA-79CEC8BB4A92}"/>
+              </a:ext>
+            </a:extLst>
+          </p:cNvPr>
+          <p:cNvPicPr>
+            <a:picLocks noChangeAspect="1" noChangeArrowheads="1"/>
+          </p:cNvPicPr>
+          <p:nvPr/>
+        </p:nvPicPr>
+        <p:blipFill>
+          <a:blip r:embed="rId4">
+            <a:extLst>
+              <a:ext uri="{28A0092B-C50C-407E-A947-70E740481C1C}">
+                <a14:useLocalDpi xmlns:a14="http://schemas.microsoft.com/office/drawing/2010/main" val="0"/>
+              </a:ext>
+            </a:extLst>
+          </a:blip>
+          <a:srcRect/>
+          <a:stretch>
+            <a:fillRect/>
+          </a:stretch>
+        </p:blipFill>
+        <p:spPr bwMode="auto">
+          <a:xfrm>
+            <a:off x="8808436" y="3443721"/>
+            <a:ext cx="2444780" cy="1020696"/>
+          </a:xfrm>
+          <a:prstGeom prst="rect">
+            <a:avLst/>
+          </a:prstGeom>
+          <a:noFill/>
+          <a:extLst>
+            <a:ext uri="{909E8E84-426E-40DD-AFC4-6F175D3DCCD1}">
+              <a14:hiddenFill xmlns:a14="http://schemas.microsoft.com/office/drawing/2010/main">
+                <a:solidFill>
+                  <a:srgbClr val="FFFFFF"/>
+                </a:solidFill>
+              </a14:hiddenFill>
+            </a:ext>
+          </a:extLst>
+        </p:spPr>
+      </p:pic>
+      <p:sp>
+        <p:nvSpPr>
+          <p:cNvPr id="6" name="Title 1">
+            <a:extLst>
+              <a:ext uri="{FF2B5EF4-FFF2-40B4-BE49-F238E27FC236}">
+                <a16:creationId xmlns:a16="http://schemas.microsoft.com/office/drawing/2014/main" id="{48D062AB-6C1C-1E39-86FF-40D4557059CC}"/>
+              </a:ext>
+            </a:extLst>
+          </p:cNvPr>
+          <p:cNvSpPr txBox="1">
+            <a:spLocks/>
+          </p:cNvSpPr>
+          <p:nvPr/>
+        </p:nvSpPr>
+        <p:spPr>
+          <a:xfrm>
+            <a:off x="645621" y="698867"/>
+            <a:ext cx="10515600" cy="1325563"/>
+          </a:xfrm>
+          <a:prstGeom prst="rect">
+            <a:avLst/>
+          </a:prstGeom>
+        </p:spPr>
+        <p:txBody>
+          <a:bodyPr vert="horz" lIns="91440" tIns="45720" rIns="91440" bIns="45720" rtlCol="0" anchor="ctr">
+            <a:normAutofit/>
+          </a:bodyPr>
+          <a:lstStyle>
+            <a:lvl1pPr algn="l" defTabSz="914400" rtl="0" eaLnBrk="1" latinLnBrk="0" hangingPunct="1">
+              <a:lnSpc>
+                <a:spcPct val="90000"/>
+              </a:lnSpc>
+              <a:spcBef>
+                <a:spcPct val="0"/>
+              </a:spcBef>
+              <a:buNone/>
+              <a:defRPr sz="4400" kern="1200">
+                <a:solidFill>
+                  <a:schemeClr val="tx1"/>
+                </a:solidFill>
+                <a:latin typeface="+mj-lt"/>
+                <a:ea typeface="+mj-ea"/>
+                <a:cs typeface="+mj-cs"/>
+              </a:defRPr>
+            </a:lvl1pPr>
+          </a:lstStyle>
+          <a:p>
+            <a:r>
+              <a:rPr lang="en-US" dirty="0"/>
+              <a:t>Some free and open source tools</a:t>
+            </a:r>
+          </a:p>
+        </p:txBody>
+      </p:sp>
+    </p:spTree>
+    <p:extLst>
+      <p:ext uri="{BB962C8B-B14F-4D97-AF65-F5344CB8AC3E}">
+        <p14:creationId xmlns:p14="http://schemas.microsoft.com/office/powerpoint/2010/main" val="3448537983"/>
+      </p:ext>
+    </p:extLst>
+  </p:cSld>
+  <p:clrMapOvr>
+    <a:masterClrMapping/>
+  </p:clrMapOvr>
+  <p:timing>
+    <p:tnLst>
+      <p:par>
+        <p:cTn id="1" dur="indefinite" restart="never" nodeType="tmRoot">
+          <p:childTnLst>
+            <p:seq concurrent="1" nextAc="seek">
+              <p:cTn id="2" dur="indefinite" nodeType="mainSeq">
+                <p:childTnLst>
+                  <p:par>
+                    <p:cTn id="3" fill="hold">
+                      <p:stCondLst>
+                        <p:cond delay="indefinite"/>
+                      </p:stCondLst>
+                      <p:childTnLst>
+                        <p:par>
+                          <p:cTn id="4" fill="hold">
+                            <p:stCondLst>
+                              <p:cond delay="0"/>
+                            </p:stCondLst>
+                            <p:childTnLst>
+                              <p:par>
+                                <p:cTn id="5" presetID="1" presetClass="entr" presetSubtype="0" fill="hold" nodeType="clickEffect">
+                                  <p:stCondLst>
+                                    <p:cond delay="0"/>
+                                  </p:stCondLst>
+                                  <p:childTnLst>
+                                    <p:set>
+                                      <p:cBhvr>
+                                        <p:cTn id="6" dur="1" fill="hold">
+                                          <p:stCondLst>
+                                            <p:cond delay="0"/>
+                                          </p:stCondLst>
+                                        </p:cTn>
+                                        <p:tgtEl>
+                                          <p:spTgt spid="1026"/>
+                                        </p:tgtEl>
+                                        <p:attrNameLst>
+                                          <p:attrName>style.visibility</p:attrName>
+                                        </p:attrNameLst>
+                                      </p:cBhvr>
+                                      <p:to>
+                                        <p:strVal val="visible"/>
+                                      </p:to>
+                                    </p:set>
+                                  </p:childTnLst>
+                                </p:cTn>
+                              </p:par>
+                            </p:childTnLst>
+                          </p:cTn>
+                        </p:par>
+                      </p:childTnLst>
+                    </p:cTn>
+                  </p:par>
+                  <p:par>
+                    <p:cTn id="7" fill="hold">
+                      <p:stCondLst>
+                        <p:cond delay="indefinite"/>
+                      </p:stCondLst>
+                      <p:childTnLst>
+                        <p:par>
+                          <p:cTn id="8" fill="hold">
+                            <p:stCondLst>
+                              <p:cond delay="0"/>
+                            </p:stCondLst>
+                            <p:childTnLst>
+                              <p:par>
+                                <p:cTn id="9" presetID="1" presetClass="entr" presetSubtype="0" fill="hold" nodeType="clickEffect">
+                                  <p:stCondLst>
+                                    <p:cond delay="0"/>
+                                  </p:stCondLst>
+                                  <p:childTnLst>
+                                    <p:set>
+                                      <p:cBhvr>
+                                        <p:cTn id="10" dur="1" fill="hold">
+                                          <p:stCondLst>
+                                            <p:cond delay="0"/>
+                                          </p:stCondLst>
+                                        </p:cTn>
+                                        <p:tgtEl>
+                                          <p:spTgt spid="1028"/>
+                                        </p:tgtEl>
+                                        <p:attrNameLst>
+                                          <p:attrName>style.visibility</p:attrName>
+                                        </p:attrNameLst>
+                                      </p:cBhvr>
+                                      <p:to>
+                                        <p:strVal val="visible"/>
+                                      </p:to>
+                                    </p:set>
+                                  </p:childTnLst>
+                                </p:cTn>
+                              </p:par>
+                            </p:childTnLst>
+                          </p:cTn>
+                        </p:par>
+                      </p:childTnLst>
+                    </p:cTn>
+                  </p:par>
+                  <p:par>
+                    <p:cTn id="11" fill="hold">
+                      <p:stCondLst>
+                        <p:cond delay="indefinite"/>
+                      </p:stCondLst>
+                      <p:childTnLst>
+                        <p:par>
+                          <p:cTn id="12" fill="hold">
+                            <p:stCondLst>
+                              <p:cond delay="0"/>
+                            </p:stCondLst>
+                            <p:childTnLst>
+                              <p:par>
+                                <p:cTn id="13" presetID="1" presetClass="entr" presetSubtype="0" fill="hold" nodeType="clickEffect">
+                                  <p:stCondLst>
+                                    <p:cond delay="0"/>
+                                  </p:stCondLst>
+                                  <p:childTnLst>
+                                    <p:set>
+                                      <p:cBhvr>
+                                        <p:cTn id="14" dur="1" fill="hold">
+                                          <p:stCondLst>
+                                            <p:cond delay="0"/>
+                                          </p:stCondLst>
+                                        </p:cTn>
+                                        <p:tgtEl>
+                                          <p:spTgt spid="1030"/>
+                                        </p:tgtEl>
+                                        <p:attrNameLst>
+                                          <p:attrName>style.visibility</p:attrName>
+                                        </p:attrNameLst>
+                                      </p:cBhvr>
+                                      <p:to>
+                                        <p:strVal val="visible"/>
+                                      </p:to>
+                                    </p:set>
+                                  </p:childTnLst>
+                                </p:cTn>
+                              </p:par>
+                            </p:childTnLst>
+                          </p:cTn>
+                        </p:par>
+                      </p:childTnLst>
+                    </p:cTn>
+                  </p:par>
+                  <p:par>
+                    <p:cTn id="15" fill="hold">
+                      <p:stCondLst>
+                        <p:cond delay="indefinite"/>
+                      </p:stCondLst>
+                      <p:childTnLst>
+                        <p:par>
+                          <p:cTn id="16" fill="hold">
+                            <p:stCondLst>
+                              <p:cond delay="0"/>
+                            </p:stCondLst>
+                            <p:childTnLst>
+                              <p:par>
+                                <p:cTn id="17" presetID="1" presetClass="entr" presetSubtype="0" fill="hold" grpId="0" nodeType="clickEffect">
+                                  <p:stCondLst>
+                                    <p:cond delay="0"/>
+                                  </p:stCondLst>
+                                  <p:childTnLst>
+                                    <p:set>
+                                      <p:cBhvr>
+                                        <p:cTn id="18" dur="1" fill="hold">
+                                          <p:stCondLst>
+                                            <p:cond delay="0"/>
+                                          </p:stCondLst>
+                                        </p:cTn>
+                                        <p:tgtEl>
+                                          <p:spTgt spid="2"/>
+                                        </p:tgtEl>
+                                        <p:attrNameLst>
+                                          <p:attrName>style.visibility</p:attrName>
+                                        </p:attrNameLst>
+                                      </p:cBhvr>
+                                      <p:to>
+                                        <p:strVal val="visible"/>
+                                      </p:to>
+                                    </p:set>
+                                  </p:childTnLst>
+                                </p:cTn>
+                              </p:par>
+                            </p:childTnLst>
+                          </p:cTn>
+                        </p:par>
+                      </p:childTnLst>
+                    </p:cTn>
+                  </p:par>
+                </p:childTnLst>
+              </p:cTn>
+              <p:prevCondLst>
+                <p:cond evt="onPrev" delay="0">
+                  <p:tgtEl>
+                    <p:sldTgt/>
+                  </p:tgtEl>
+                </p:cond>
+              </p:prevCondLst>
+              <p:nextCondLst>
+                <p:cond evt="onNext" delay="0">
+                  <p:tgtEl>
+                    <p:sldTgt/>
+                  </p:tgtEl>
+                </p:cond>
+              </p:nextCondLst>
+            </p:seq>
+          </p:childTnLst>
+        </p:cTn>
+      </p:par>
+    </p:tnLst>
+    <p:bldLst>
+      <p:bldP spid="2" grpId="0"/>
+    </p:bldLst>
+  </p:timing>
+</p:sld>
+</file>
+
+<file path=ppt/slides/slide11.xml><?xml version="1.0" encoding="utf-8"?>
+<p:sld xmlns:a="http://schemas.openxmlformats.org/drawingml/2006/main" xmlns:r="http://schemas.openxmlformats.org/officeDocument/2006/relationships" xmlns:p="http://schemas.openxmlformats.org/presentationml/2006/main">
+  <p:cSld>
+    <p:spTree>
+      <p:nvGrpSpPr>
+        <p:cNvPr id="1" name=""/>
+        <p:cNvGrpSpPr/>
+        <p:nvPr/>
+      </p:nvGrpSpPr>
+      <p:grpSpPr>
+        <a:xfrm>
+          <a:off x="0" y="0"/>
+          <a:ext cx="0" cy="0"/>
+          <a:chOff x="0" y="0"/>
+          <a:chExt cx="0" cy="0"/>
+        </a:xfrm>
+      </p:grpSpPr>
       <p:pic>
         <p:nvPicPr>
           <p:cNvPr id="4098" name="Picture 2" descr="tahra (@tahrajirari) / X">
@@ -4496,7 +5139,7 @@
 </p:sld>
 </file>
 
-<file path=ppt/slides/slide11.xml><?xml version="1.0" encoding="utf-8"?>
+<file path=ppt/slides/slide12.xml><?xml version="1.0" encoding="utf-8"?>
 <p:sld xmlns:a="http://schemas.openxmlformats.org/drawingml/2006/main" xmlns:r="http://schemas.openxmlformats.org/officeDocument/2006/relationships" xmlns:p="http://schemas.openxmlformats.org/presentationml/2006/main">
   <p:cSld>
     <p:spTree>
@@ -4528,7 +5171,7 @@
           <p:nvPr/>
         </p:nvPicPr>
         <p:blipFill>
-          <a:blip r:embed="rId2"/>
+          <a:blip r:embed="rId3"/>
           <a:stretch>
             <a:fillRect/>
           </a:stretch>
@@ -4556,7 +5199,7 @@
 </p:sld>
 </file>
 
-<file path=ppt/slides/slide12.xml><?xml version="1.0" encoding="utf-8"?>
+<file path=ppt/slides/slide13.xml><?xml version="1.0" encoding="utf-8"?>
 <p:sld xmlns:a="http://schemas.openxmlformats.org/drawingml/2006/main" xmlns:r="http://schemas.openxmlformats.org/officeDocument/2006/relationships" xmlns:p="http://schemas.openxmlformats.org/presentationml/2006/main">
   <p:cSld>
     <p:spTree>
@@ -4589,7 +5232,12 @@
             <p:ph type="title"/>
           </p:nvPr>
         </p:nvSpPr>
-        <p:spPr/>
+        <p:spPr>
+          <a:xfrm>
+            <a:off x="289560" y="134937"/>
+            <a:ext cx="10515600" cy="1325563"/>
+          </a:xfrm>
+        </p:spPr>
         <p:txBody>
           <a:bodyPr/>
           <a:lstStyle/>
@@ -4617,9 +5265,16 @@
             <p:ph idx="1"/>
           </p:nvPr>
         </p:nvSpPr>
-        <p:spPr/>
-        <p:txBody>
-          <a:bodyPr/>
+        <p:spPr>
+          <a:xfrm>
+            <a:off x="289560" y="1259332"/>
+            <a:ext cx="11433048" cy="5397500"/>
+          </a:xfrm>
+        </p:spPr>
+        <p:txBody>
+          <a:bodyPr>
+            <a:normAutofit/>
+          </a:bodyPr>
           <a:lstStyle/>
           <a:p>
             <a:r>
@@ -4658,6 +5313,33 @@
           <a:p>
             <a:r>
               <a:rPr lang="en-US" dirty="0"/>
+              <a:t>Tell me more about: </a:t>
+            </a:r>
+          </a:p>
+          <a:p>
+            <a:pPr lvl="1"/>
+            <a:r>
+              <a:rPr lang="en-US" dirty="0"/>
+              <a:t>R</a:t>
+            </a:r>
+          </a:p>
+          <a:p>
+            <a:pPr lvl="1"/>
+            <a:r>
+              <a:rPr lang="en-US" dirty="0"/>
+              <a:t>Quarto</a:t>
+            </a:r>
+          </a:p>
+          <a:p>
+            <a:pPr lvl="1"/>
+            <a:r>
+              <a:rPr lang="en-US" dirty="0"/>
+              <a:t>git</a:t>
+            </a:r>
+          </a:p>
+          <a:p>
+            <a:r>
+              <a:rPr lang="en-US" dirty="0"/>
               <a:t>Why/how can/should I use version control?</a:t>
             </a:r>
           </a:p>
@@ -4669,10 +5351,9 @@
           </a:p>
           <a:p>
             <a:r>
-              <a:rPr lang="en-US"/>
+              <a:rPr lang="en-US" dirty="0"/>
               <a:t>Are these tools in common use?</a:t>
             </a:r>
-            <a:endParaRPr lang="en-US" dirty="0"/>
           </a:p>
           <a:p>
             <a:pPr lvl="1"/>
@@ -5624,7 +6305,7 @@
           <a:p>
             <a:r>
               <a:rPr lang="en-US" dirty="0"/>
-              <a:t>Efficiency</a:t>
+              <a:t>Efficiency/Accuracy</a:t>
             </a:r>
           </a:p>
         </p:txBody>
